--- a/capstone_poster_template.pptx
+++ b/capstone_poster_template.pptx
@@ -63,7 +63,7 @@
         <p:txBody>
           <a:bodyPr/>
           <a:p>
-            <a:fld id="{9A233CDA-B243-4FCF-B4F0-328FF4A30069}" type="slidenum">
+            <a:fld id="{CE25C97D-B6B9-4ADD-8C19-4EF72F40C70B}" type="slidenum">
               <a:t>&lt;#&gt;</a:t>
             </a:fld>
           </a:p>
@@ -251,7 +251,7 @@
         <p:txBody>
           <a:bodyPr/>
           <a:p>
-            <a:fld id="{475EA7B2-6BDA-483A-BF1F-EDED6212366F}" type="slidenum">
+            <a:fld id="{F49718D2-3338-420B-8383-3138A0F9A607}" type="slidenum">
               <a:t>&lt;#&gt;</a:t>
             </a:fld>
           </a:p>
@@ -507,7 +507,7 @@
         <p:txBody>
           <a:bodyPr/>
           <a:p>
-            <a:fld id="{0FA44DA8-529F-45A2-A01C-953FEA7C0E31}" type="slidenum">
+            <a:fld id="{98DD9D24-4C5E-4650-8879-FC29A2A62E27}" type="slidenum">
               <a:t>&lt;#&gt;</a:t>
             </a:fld>
           </a:p>
@@ -831,7 +831,7 @@
         <p:txBody>
           <a:bodyPr/>
           <a:p>
-            <a:fld id="{0949B535-DB47-4B26-B8EC-2B51EF821CF0}" type="slidenum">
+            <a:fld id="{3095316E-5A17-422C-82E5-5B6799730A30}" type="slidenum">
               <a:t>&lt;#&gt;</a:t>
             </a:fld>
           </a:p>
@@ -988,7 +988,7 @@
         <p:txBody>
           <a:bodyPr/>
           <a:p>
-            <a:fld id="{3C63FCAA-97EC-4DB0-8B12-B8115657CA53}" type="slidenum">
+            <a:fld id="{5F114162-F45C-4C27-B4F8-C632C94DA4D0}" type="slidenum">
               <a:t>&lt;#&gt;</a:t>
             </a:fld>
           </a:p>
@@ -1142,7 +1142,7 @@
         <p:txBody>
           <a:bodyPr/>
           <a:p>
-            <a:fld id="{8C563408-7FC4-411A-8849-690FD1D93151}" type="slidenum">
+            <a:fld id="{A36016BA-799A-4062-BFE9-48021E40D433}" type="slidenum">
               <a:t>&lt;#&gt;</a:t>
             </a:fld>
           </a:p>
@@ -1330,7 +1330,7 @@
         <p:txBody>
           <a:bodyPr/>
           <a:p>
-            <a:fld id="{EB545FD8-38B4-4E1A-8744-11FEA57B3495}" type="slidenum">
+            <a:fld id="{1E4AF028-5971-48F9-9E55-F6C4DFBB6D51}" type="slidenum">
               <a:t>&lt;#&gt;</a:t>
             </a:fld>
           </a:p>
@@ -1450,7 +1450,7 @@
         <p:txBody>
           <a:bodyPr/>
           <a:p>
-            <a:fld id="{0050DA66-1E44-464F-AA75-180F634C5964}" type="slidenum">
+            <a:fld id="{5ECAD912-EA5A-49BC-BE9C-BB38093E3597}" type="slidenum">
               <a:t>&lt;#&gt;</a:t>
             </a:fld>
           </a:p>
@@ -1570,7 +1570,7 @@
         <p:txBody>
           <a:bodyPr/>
           <a:p>
-            <a:fld id="{BF65331E-8FCE-4D45-AC17-1CE239A19155}" type="slidenum">
+            <a:fld id="{BEE32081-EB24-4D6A-9C8D-261AC05D454B}" type="slidenum">
               <a:t>&lt;#&gt;</a:t>
             </a:fld>
           </a:p>
@@ -1792,7 +1792,7 @@
         <p:txBody>
           <a:bodyPr/>
           <a:p>
-            <a:fld id="{DF613C41-5148-47DE-B22F-7D0FEDBB443F}" type="slidenum">
+            <a:fld id="{200D53EF-2F83-4E50-9328-88FCE004E2CC}" type="slidenum">
               <a:t>&lt;#&gt;</a:t>
             </a:fld>
           </a:p>
@@ -2014,7 +2014,7 @@
         <p:txBody>
           <a:bodyPr/>
           <a:p>
-            <a:fld id="{6C85181B-1354-4508-A85B-8F720083D0BC}" type="slidenum">
+            <a:fld id="{4F19F96E-CEDB-4A89-BF94-640CA7BCDA77}" type="slidenum">
               <a:t>&lt;#&gt;</a:t>
             </a:fld>
           </a:p>
@@ -2236,7 +2236,7 @@
         <p:txBody>
           <a:bodyPr/>
           <a:p>
-            <a:fld id="{9E6C9E3D-FD46-4F94-887C-8ADE4972DFDD}" type="slidenum">
+            <a:fld id="{89687402-EC9A-41EA-AF7C-1754BAAAA8B3}" type="slidenum">
               <a:t>&lt;#&gt;</a:t>
             </a:fld>
           </a:p>
@@ -2305,7 +2305,7 @@
         <p:spPr>
           <a:xfrm>
             <a:off x="10904400" y="40680720"/>
-            <a:ext cx="11109240" cy="2336040"/>
+            <a:ext cx="11108880" cy="2335680"/>
           </a:xfrm>
           <a:prstGeom prst="rect">
             <a:avLst/>
@@ -2341,7 +2341,7 @@
               <a:rPr b="0" lang="en-US" sz="1400" spc="-1" strike="noStrike">
                 <a:latin typeface="Times New Roman"/>
               </a:rPr>
-              <a:t> </a:t>
+              <a:t>&lt;footer&gt;</a:t>
             </a:r>
             <a:endParaRPr b="0" lang="en-US" sz="1400" spc="-1" strike="noStrike">
               <a:latin typeface="Times New Roman"/>
@@ -2362,7 +2362,7 @@
         <p:spPr>
           <a:xfrm>
             <a:off x="23248800" y="40680720"/>
-            <a:ext cx="7405920" cy="2336040"/>
+            <a:ext cx="7405560" cy="2335680"/>
           </a:xfrm>
           <a:prstGeom prst="rect">
             <a:avLst/>
@@ -2404,7 +2404,7 @@
                 <a:tab algn="l" pos="0"/>
               </a:tabLst>
             </a:pPr>
-            <a:fld id="{B3749A08-DD57-4197-A06E-017B937C057D}" type="slidenum">
+            <a:fld id="{AF0C6A7F-710A-49A7-B6F3-14A6B6C5B1D7}" type="slidenum">
               <a:rPr b="0" lang="en-US" sz="4320" spc="-1" strike="noStrike">
                 <a:solidFill>
                   <a:srgbClr val="888888"/>
@@ -2412,7 +2412,7 @@
                 <a:latin typeface="Calibri"/>
                 <a:ea typeface="Calibri"/>
               </a:rPr>
-              <a:t>1</a:t>
+              <a:t>&lt;number&gt;</a:t>
             </a:fld>
             <a:endParaRPr b="0" lang="en-US" sz="4320" spc="-1" strike="noStrike">
               <a:latin typeface="Times New Roman"/>
@@ -2433,7 +2433,7 @@
         <p:spPr>
           <a:xfrm>
             <a:off x="2263320" y="40680720"/>
-            <a:ext cx="7405920" cy="2336040"/>
+            <a:ext cx="7405560" cy="2335680"/>
           </a:xfrm>
           <a:prstGeom prst="rect">
             <a:avLst/>
@@ -2459,7 +2459,7 @@
               <a:rPr b="0" lang="en-US" sz="1400" spc="-1" strike="noStrike">
                 <a:latin typeface="Times New Roman"/>
               </a:rPr>
-              <a:t> </a:t>
+              <a:t>&lt;date/time&gt;</a:t>
             </a:r>
             <a:endParaRPr b="0" lang="en-US" sz="1400" spc="-1" strike="noStrike">
               <a:latin typeface="Times New Roman"/>
@@ -2513,9 +2513,9 @@
         <p:grpSpPr>
           <a:xfrm>
             <a:off x="0" y="0"/>
-            <a:ext cx="32917680" cy="3938400"/>
+            <a:ext cx="32917320" cy="3938040"/>
             <a:chOff x="0" y="0"/>
-            <a:chExt cx="32917680" cy="3938400"/>
+            <a:chExt cx="32917320" cy="3938040"/>
           </a:xfrm>
         </p:grpSpPr>
         <p:sp>
@@ -2527,7 +2527,7 @@
           <p:spPr>
             <a:xfrm>
               <a:off x="0" y="0"/>
-              <a:ext cx="32917680" cy="3938400"/>
+              <a:ext cx="32917320" cy="3938040"/>
             </a:xfrm>
             <a:prstGeom prst="rect">
               <a:avLst/>
@@ -2555,7 +2555,7 @@
           <p:spPr>
             <a:xfrm>
               <a:off x="995760" y="605160"/>
-              <a:ext cx="22074480" cy="2728080"/>
+              <a:ext cx="22074120" cy="2727720"/>
             </a:xfrm>
             <a:prstGeom prst="rect">
               <a:avLst/>
@@ -2655,40 +2655,17 @@
             </a:p>
           </p:txBody>
         </p:sp>
-        <p:pic>
-          <p:nvPicPr>
-            <p:cNvPr id="42" name="Google Shape;87;p13" descr=""/>
-            <p:cNvPicPr/>
-            <p:nvPr/>
-          </p:nvPicPr>
-          <p:blipFill>
-            <a:blip r:embed="rId1"/>
-            <a:stretch/>
-          </p:blipFill>
-          <p:spPr>
-            <a:xfrm>
-              <a:off x="24291360" y="745560"/>
-              <a:ext cx="7406280" cy="2447280"/>
-            </a:xfrm>
-            <a:prstGeom prst="rect">
-              <a:avLst/>
-            </a:prstGeom>
-            <a:ln w="0">
-              <a:noFill/>
-            </a:ln>
-          </p:spPr>
-        </p:pic>
       </p:grpSp>
       <p:sp>
         <p:nvSpPr>
-          <p:cNvPr id="43" name="Google Shape;88;p13"/>
+          <p:cNvPr id="42" name="Google Shape;88;p13"/>
           <p:cNvSpPr/>
           <p:nvPr/>
         </p:nvSpPr>
         <p:spPr>
           <a:xfrm>
             <a:off x="11043000" y="6013800"/>
-            <a:ext cx="360" cy="36469800"/>
+            <a:ext cx="360" cy="36469440"/>
           </a:xfrm>
           <a:custGeom>
             <a:avLst/>
@@ -2726,14 +2703,14 @@
       </p:sp>
       <p:sp>
         <p:nvSpPr>
-          <p:cNvPr id="44" name="Google Shape;89;p13"/>
+          <p:cNvPr id="43" name="Google Shape;89;p13"/>
           <p:cNvSpPr/>
           <p:nvPr/>
         </p:nvSpPr>
         <p:spPr>
           <a:xfrm>
             <a:off x="22086360" y="6013800"/>
-            <a:ext cx="360" cy="36469800"/>
+            <a:ext cx="360" cy="36469440"/>
           </a:xfrm>
           <a:custGeom>
             <a:avLst/>
@@ -2771,14 +2748,14 @@
       </p:sp>
       <p:sp>
         <p:nvSpPr>
-          <p:cNvPr id="45" name="Google Shape;90;p13"/>
+          <p:cNvPr id="44" name="Google Shape;90;p13"/>
           <p:cNvSpPr/>
           <p:nvPr/>
         </p:nvSpPr>
         <p:spPr>
           <a:xfrm>
             <a:off x="995760" y="6013800"/>
-            <a:ext cx="8991360" cy="8228880"/>
+            <a:ext cx="8991000" cy="8228520"/>
           </a:xfrm>
           <a:prstGeom prst="rect">
             <a:avLst/>
@@ -2830,14 +2807,14 @@
       </p:sp>
       <p:sp>
         <p:nvSpPr>
-          <p:cNvPr id="46" name="Google Shape;91;p13"/>
+          <p:cNvPr id="45" name="Google Shape;91;p13"/>
           <p:cNvSpPr/>
           <p:nvPr/>
         </p:nvSpPr>
         <p:spPr>
           <a:xfrm>
             <a:off x="1055160" y="25187040"/>
-            <a:ext cx="8932320" cy="17372880"/>
+            <a:ext cx="8931960" cy="17372520"/>
           </a:xfrm>
           <a:prstGeom prst="rect">
             <a:avLst/>
@@ -2889,14 +2866,14 @@
       </p:sp>
       <p:sp>
         <p:nvSpPr>
-          <p:cNvPr id="47" name="Google Shape;92;p13"/>
+          <p:cNvPr id="46" name="Google Shape;92;p13"/>
           <p:cNvSpPr/>
           <p:nvPr/>
         </p:nvSpPr>
         <p:spPr>
           <a:xfrm>
             <a:off x="1055160" y="16057800"/>
-            <a:ext cx="8932320" cy="7314480"/>
+            <a:ext cx="8931960" cy="7314120"/>
           </a:xfrm>
           <a:prstGeom prst="rect">
             <a:avLst/>
@@ -2948,14 +2925,14 @@
       </p:sp>
       <p:sp>
         <p:nvSpPr>
-          <p:cNvPr id="48" name="Google Shape;93;p13"/>
+          <p:cNvPr id="47" name="Google Shape;93;p13"/>
           <p:cNvSpPr/>
           <p:nvPr/>
         </p:nvSpPr>
         <p:spPr>
           <a:xfrm>
             <a:off x="12039480" y="6013800"/>
-            <a:ext cx="9143280" cy="17372880"/>
+            <a:ext cx="9142920" cy="17372520"/>
           </a:xfrm>
           <a:prstGeom prst="rect">
             <a:avLst/>
@@ -3007,14 +2984,14 @@
       </p:sp>
       <p:sp>
         <p:nvSpPr>
-          <p:cNvPr id="49" name="Google Shape;94;p13"/>
+          <p:cNvPr id="48" name="Google Shape;94;p13"/>
           <p:cNvSpPr/>
           <p:nvPr/>
         </p:nvSpPr>
         <p:spPr>
           <a:xfrm>
             <a:off x="22930200" y="6013800"/>
-            <a:ext cx="9143280" cy="9143280"/>
+            <a:ext cx="9142920" cy="9142920"/>
           </a:xfrm>
           <a:prstGeom prst="rect">
             <a:avLst/>
@@ -3066,14 +3043,14 @@
       </p:sp>
       <p:sp>
         <p:nvSpPr>
-          <p:cNvPr id="50" name="Google Shape;95;p13"/>
+          <p:cNvPr id="49" name="Google Shape;95;p13"/>
           <p:cNvSpPr/>
           <p:nvPr/>
         </p:nvSpPr>
         <p:spPr>
           <a:xfrm>
             <a:off x="12039480" y="25187040"/>
-            <a:ext cx="9143280" cy="10057680"/>
+            <a:ext cx="9142920" cy="10057320"/>
           </a:xfrm>
           <a:prstGeom prst="rect">
             <a:avLst/>
@@ -3125,14 +3102,14 @@
       </p:sp>
       <p:sp>
         <p:nvSpPr>
-          <p:cNvPr id="51" name="Google Shape;96;p13"/>
+          <p:cNvPr id="50" name="Google Shape;96;p13"/>
           <p:cNvSpPr/>
           <p:nvPr/>
         </p:nvSpPr>
         <p:spPr>
           <a:xfrm>
             <a:off x="22930200" y="16881120"/>
-            <a:ext cx="9143280" cy="6400080"/>
+            <a:ext cx="9142920" cy="6399720"/>
           </a:xfrm>
           <a:prstGeom prst="rect">
             <a:avLst/>
@@ -3184,14 +3161,14 @@
       </p:sp>
       <p:sp>
         <p:nvSpPr>
-          <p:cNvPr id="52" name="Google Shape;97;p13"/>
+          <p:cNvPr id="51" name="Google Shape;97;p13"/>
           <p:cNvSpPr/>
           <p:nvPr/>
         </p:nvSpPr>
         <p:spPr>
           <a:xfrm>
             <a:off x="22930200" y="31976640"/>
-            <a:ext cx="9143280" cy="8228880"/>
+            <a:ext cx="9142920" cy="8228520"/>
           </a:xfrm>
           <a:prstGeom prst="rect">
             <a:avLst/>
@@ -3243,14 +3220,14 @@
       </p:sp>
       <p:sp>
         <p:nvSpPr>
-          <p:cNvPr id="53" name="Google Shape;98;p13"/>
+          <p:cNvPr id="52" name="Google Shape;98;p13"/>
           <p:cNvSpPr/>
           <p:nvPr/>
         </p:nvSpPr>
         <p:spPr>
           <a:xfrm>
             <a:off x="12033360" y="36997920"/>
-            <a:ext cx="9143280" cy="5485680"/>
+            <a:ext cx="9142920" cy="5485320"/>
           </a:xfrm>
           <a:prstGeom prst="rect">
             <a:avLst/>
@@ -3302,14 +3279,14 @@
       </p:sp>
       <p:sp>
         <p:nvSpPr>
-          <p:cNvPr id="54" name="Google Shape;99;p13"/>
+          <p:cNvPr id="53" name="Google Shape;99;p13"/>
           <p:cNvSpPr/>
           <p:nvPr/>
         </p:nvSpPr>
         <p:spPr>
           <a:xfrm>
             <a:off x="22930200" y="25037640"/>
-            <a:ext cx="9143280" cy="5485680"/>
+            <a:ext cx="9142920" cy="5485320"/>
           </a:xfrm>
           <a:prstGeom prst="rect">
             <a:avLst/>
@@ -3361,14 +3338,14 @@
       </p:sp>
       <p:sp>
         <p:nvSpPr>
-          <p:cNvPr id="55" name="Google Shape;101;p13"/>
+          <p:cNvPr id="54" name="Google Shape;101;p13"/>
           <p:cNvSpPr/>
           <p:nvPr/>
         </p:nvSpPr>
         <p:spPr>
           <a:xfrm rot="10800000">
-            <a:off x="1055880" y="15111720"/>
-            <a:ext cx="8932320" cy="360"/>
+            <a:off x="1056240" y="15111720"/>
+            <a:ext cx="8931960" cy="360"/>
           </a:xfrm>
           <a:custGeom>
             <a:avLst/>
@@ -3406,14 +3383,14 @@
       </p:sp>
       <p:sp>
         <p:nvSpPr>
-          <p:cNvPr id="56" name="Google Shape;102;p13"/>
+          <p:cNvPr id="55" name="Google Shape;102;p13"/>
           <p:cNvSpPr/>
           <p:nvPr/>
         </p:nvSpPr>
         <p:spPr>
           <a:xfrm rot="10800000">
-            <a:off x="1055880" y="24289920"/>
-            <a:ext cx="8932320" cy="360"/>
+            <a:off x="1056240" y="24289920"/>
+            <a:ext cx="8931960" cy="360"/>
           </a:xfrm>
           <a:custGeom>
             <a:avLst/>
@@ -3451,14 +3428,14 @@
       </p:sp>
       <p:sp>
         <p:nvSpPr>
-          <p:cNvPr id="57" name="Google Shape;103;p13"/>
+          <p:cNvPr id="56" name="Google Shape;103;p13"/>
           <p:cNvSpPr/>
           <p:nvPr/>
         </p:nvSpPr>
         <p:spPr>
           <a:xfrm rot="10800000">
-            <a:off x="11958120" y="24266520"/>
-            <a:ext cx="8932320" cy="360"/>
+            <a:off x="11958480" y="24266520"/>
+            <a:ext cx="8931960" cy="360"/>
           </a:xfrm>
           <a:custGeom>
             <a:avLst/>
@@ -3496,14 +3473,14 @@
       </p:sp>
       <p:sp>
         <p:nvSpPr>
-          <p:cNvPr id="58" name="Google Shape;104;p13"/>
+          <p:cNvPr id="57" name="Google Shape;104;p13"/>
           <p:cNvSpPr/>
           <p:nvPr/>
         </p:nvSpPr>
         <p:spPr>
           <a:xfrm rot="10800000">
-            <a:off x="11958120" y="36124200"/>
-            <a:ext cx="8932320" cy="360"/>
+            <a:off x="11958480" y="36124200"/>
+            <a:ext cx="8931960" cy="360"/>
           </a:xfrm>
           <a:custGeom>
             <a:avLst/>
@@ -3541,14 +3518,14 @@
       </p:sp>
       <p:sp>
         <p:nvSpPr>
-          <p:cNvPr id="59" name="Google Shape;105;p13"/>
+          <p:cNvPr id="58" name="Google Shape;105;p13"/>
           <p:cNvSpPr/>
           <p:nvPr/>
         </p:nvSpPr>
         <p:spPr>
           <a:xfrm rot="10800000">
-            <a:off x="23036400" y="16043400"/>
-            <a:ext cx="8932320" cy="360"/>
+            <a:off x="23036760" y="16043400"/>
+            <a:ext cx="8931960" cy="360"/>
           </a:xfrm>
           <a:custGeom>
             <a:avLst/>
@@ -3586,14 +3563,14 @@
       </p:sp>
       <p:sp>
         <p:nvSpPr>
-          <p:cNvPr id="60" name="Google Shape;106;p13"/>
+          <p:cNvPr id="59" name="Google Shape;106;p13"/>
           <p:cNvSpPr/>
           <p:nvPr/>
         </p:nvSpPr>
         <p:spPr>
           <a:xfrm rot="10800000">
-            <a:off x="22930920" y="24238080"/>
-            <a:ext cx="8932320" cy="360"/>
+            <a:off x="22931280" y="24238080"/>
+            <a:ext cx="8931960" cy="360"/>
           </a:xfrm>
           <a:custGeom>
             <a:avLst/>
@@ -3631,14 +3608,14 @@
       </p:sp>
       <p:sp>
         <p:nvSpPr>
-          <p:cNvPr id="61" name="Google Shape;107;p13"/>
+          <p:cNvPr id="60" name="Google Shape;107;p13"/>
           <p:cNvSpPr/>
           <p:nvPr/>
         </p:nvSpPr>
         <p:spPr>
           <a:xfrm rot="10800000">
-            <a:off x="22930920" y="31416480"/>
-            <a:ext cx="8932320" cy="360"/>
+            <a:off x="22931280" y="31416480"/>
+            <a:ext cx="8931960" cy="360"/>
           </a:xfrm>
           <a:custGeom>
             <a:avLst/>
@@ -3676,14 +3653,14 @@
       </p:sp>
       <p:sp>
         <p:nvSpPr>
-          <p:cNvPr id="62" name="Google Shape;108;p13"/>
+          <p:cNvPr id="61" name="Google Shape;108;p13"/>
           <p:cNvSpPr/>
           <p:nvPr/>
         </p:nvSpPr>
         <p:spPr>
           <a:xfrm rot="10800000">
-            <a:off x="22930920" y="41011920"/>
-            <a:ext cx="8932320" cy="360"/>
+            <a:off x="22931280" y="41011920"/>
+            <a:ext cx="8931960" cy="360"/>
           </a:xfrm>
           <a:custGeom>
             <a:avLst/>
@@ -3721,7 +3698,30 @@
       </p:sp>
       <p:pic>
         <p:nvPicPr>
-          <p:cNvPr id="63" name="Google Shape;111;p13" descr=""/>
+          <p:cNvPr id="62" name="Google Shape;111;p13" descr=""/>
+          <p:cNvPicPr/>
+          <p:nvPr/>
+        </p:nvPicPr>
+        <p:blipFill>
+          <a:blip r:embed="rId1"/>
+          <a:stretch/>
+        </p:blipFill>
+        <p:spPr>
+          <a:xfrm>
+            <a:off x="24443640" y="10972440"/>
+            <a:ext cx="7405920" cy="2446920"/>
+          </a:xfrm>
+          <a:prstGeom prst="rect">
+            <a:avLst/>
+          </a:prstGeom>
+          <a:ln w="0">
+            <a:noFill/>
+          </a:ln>
+        </p:spPr>
+      </p:pic>
+      <p:pic>
+        <p:nvPicPr>
+          <p:cNvPr id="63" name="Picture 2" descr="A picture containing text&#10;&#10;Description automatically generated"/>
           <p:cNvPicPr/>
           <p:nvPr/>
         </p:nvPicPr>
@@ -3731,8 +3731,8 @@
         </p:blipFill>
         <p:spPr>
           <a:xfrm>
-            <a:off x="24443640" y="10972440"/>
-            <a:ext cx="7406280" cy="2447280"/>
+            <a:off x="22930200" y="41340240"/>
+            <a:ext cx="9007200" cy="1676880"/>
           </a:xfrm>
           <a:prstGeom prst="rect">
             <a:avLst/>
@@ -3744,7 +3744,7 @@
       </p:pic>
       <p:pic>
         <p:nvPicPr>
-          <p:cNvPr id="64" name="Picture 2" descr="A picture containing text&#10;&#10;Description automatically generated"/>
+          <p:cNvPr id="64" name="" descr=""/>
           <p:cNvPicPr/>
           <p:nvPr/>
         </p:nvPicPr>
@@ -3754,31 +3754,8 @@
         </p:blipFill>
         <p:spPr>
           <a:xfrm>
-            <a:off x="22930200" y="41340240"/>
-            <a:ext cx="9007560" cy="1677240"/>
-          </a:xfrm>
-          <a:prstGeom prst="rect">
-            <a:avLst/>
-          </a:prstGeom>
-          <a:ln w="0">
-            <a:noFill/>
-          </a:ln>
-        </p:spPr>
-      </p:pic>
-      <p:pic>
-        <p:nvPicPr>
-          <p:cNvPr id="65" name="" descr=""/>
-          <p:cNvPicPr/>
-          <p:nvPr/>
-        </p:nvPicPr>
-        <p:blipFill>
-          <a:blip r:embed="rId4"/>
-          <a:stretch/>
-        </p:blipFill>
-        <p:spPr>
-          <a:xfrm>
-            <a:off x="16171200" y="605160"/>
-            <a:ext cx="16482240" cy="2618280"/>
+            <a:off x="16171200" y="569160"/>
+            <a:ext cx="16481880" cy="2617920"/>
           </a:xfrm>
           <a:prstGeom prst="rect">
             <a:avLst/>
